--- a/Database_&_docs/API Abuse.pptx
+++ b/Database_&_docs/API Abuse.pptx
@@ -366,7 +366,7 @@
             <a:fld id="{B61BEF0D-F0BB-DE4B-95CE-6DB70DBA9567}" type="datetimeFigureOut">
               <a:rPr lang="en-US" dirty="0"/>
               <a:pPr/>
-              <a:t>8/13/2023</a:t>
+              <a:t>8/16/2023</a:t>
             </a:fld>
             <a:endParaRPr lang="en-US" dirty="0"/>
           </a:p>
@@ -696,7 +696,7 @@
             <a:fld id="{B61BEF0D-F0BB-DE4B-95CE-6DB70DBA9567}" type="datetimeFigureOut">
               <a:rPr lang="en-US" dirty="0"/>
               <a:pPr/>
-              <a:t>8/13/2023</a:t>
+              <a:t>8/16/2023</a:t>
             </a:fld>
             <a:endParaRPr lang="en-US" dirty="0"/>
           </a:p>
@@ -971,7 +971,7 @@
             <a:fld id="{B61BEF0D-F0BB-DE4B-95CE-6DB70DBA9567}" type="datetimeFigureOut">
               <a:rPr lang="en-US" dirty="0"/>
               <a:pPr/>
-              <a:t>8/13/2023</a:t>
+              <a:t>8/16/2023</a:t>
             </a:fld>
             <a:endParaRPr lang="en-US" dirty="0"/>
           </a:p>
@@ -1530,7 +1530,7 @@
             <a:fld id="{B61BEF0D-F0BB-DE4B-95CE-6DB70DBA9567}" type="datetimeFigureOut">
               <a:rPr lang="en-US" dirty="0"/>
               <a:pPr/>
-              <a:t>8/13/2023</a:t>
+              <a:t>8/16/2023</a:t>
             </a:fld>
             <a:endParaRPr lang="en-US" dirty="0"/>
           </a:p>
@@ -1805,7 +1805,7 @@
             <a:fld id="{B61BEF0D-F0BB-DE4B-95CE-6DB70DBA9567}" type="datetimeFigureOut">
               <a:rPr lang="en-US" dirty="0"/>
               <a:pPr/>
-              <a:t>8/13/2023</a:t>
+              <a:t>8/16/2023</a:t>
             </a:fld>
             <a:endParaRPr lang="en-US" dirty="0"/>
           </a:p>
@@ -2358,7 +2358,7 @@
             <a:fld id="{B61BEF0D-F0BB-DE4B-95CE-6DB70DBA9567}" type="datetimeFigureOut">
               <a:rPr lang="en-US" dirty="0"/>
               <a:pPr/>
-              <a:t>8/13/2023</a:t>
+              <a:t>8/16/2023</a:t>
             </a:fld>
             <a:endParaRPr lang="en-US" dirty="0"/>
           </a:p>
@@ -2682,7 +2682,7 @@
             <a:fld id="{B61BEF0D-F0BB-DE4B-95CE-6DB70DBA9567}" type="datetimeFigureOut">
               <a:rPr lang="en-US" dirty="0"/>
               <a:pPr/>
-              <a:t>8/13/2023</a:t>
+              <a:t>8/16/2023</a:t>
             </a:fld>
             <a:endParaRPr lang="en-US" dirty="0"/>
           </a:p>
@@ -2856,7 +2856,7 @@
             <a:fld id="{B61BEF0D-F0BB-DE4B-95CE-6DB70DBA9567}" type="datetimeFigureOut">
               <a:rPr lang="en-US" dirty="0"/>
               <a:pPr/>
-              <a:t>8/13/2023</a:t>
+              <a:t>8/16/2023</a:t>
             </a:fld>
             <a:endParaRPr lang="en-US" dirty="0"/>
           </a:p>
@@ -3091,7 +3091,7 @@
             <a:fld id="{B61BEF0D-F0BB-DE4B-95CE-6DB70DBA9567}" type="datetimeFigureOut">
               <a:rPr lang="en-US" dirty="0"/>
               <a:pPr/>
-              <a:t>8/13/2023</a:t>
+              <a:t>8/16/2023</a:t>
             </a:fld>
             <a:endParaRPr lang="en-US" dirty="0"/>
           </a:p>
@@ -3288,7 +3288,7 @@
             <a:fld id="{B61BEF0D-F0BB-DE4B-95CE-6DB70DBA9567}" type="datetimeFigureOut">
               <a:rPr lang="en-US" dirty="0"/>
               <a:pPr/>
-              <a:t>8/13/2023</a:t>
+              <a:t>8/16/2023</a:t>
             </a:fld>
             <a:endParaRPr lang="en-US" dirty="0"/>
           </a:p>
@@ -3561,7 +3561,7 @@
             <a:fld id="{B61BEF0D-F0BB-DE4B-95CE-6DB70DBA9567}" type="datetimeFigureOut">
               <a:rPr lang="en-US" dirty="0"/>
               <a:pPr/>
-              <a:t>8/13/2023</a:t>
+              <a:t>8/16/2023</a:t>
             </a:fld>
             <a:endParaRPr lang="en-US" dirty="0"/>
           </a:p>
@@ -3824,7 +3824,7 @@
             <a:fld id="{B61BEF0D-F0BB-DE4B-95CE-6DB70DBA9567}" type="datetimeFigureOut">
               <a:rPr lang="en-US" dirty="0"/>
               <a:pPr/>
-              <a:t>8/13/2023</a:t>
+              <a:t>8/16/2023</a:t>
             </a:fld>
             <a:endParaRPr lang="en-US" dirty="0"/>
           </a:p>
@@ -4195,7 +4195,7 @@
             <a:fld id="{B61BEF0D-F0BB-DE4B-95CE-6DB70DBA9567}" type="datetimeFigureOut">
               <a:rPr lang="en-US" dirty="0"/>
               <a:pPr/>
-              <a:t>8/13/2023</a:t>
+              <a:t>8/16/2023</a:t>
             </a:fld>
             <a:endParaRPr lang="en-US" dirty="0"/>
           </a:p>
@@ -4340,7 +4340,7 @@
             <a:fld id="{B61BEF0D-F0BB-DE4B-95CE-6DB70DBA9567}" type="datetimeFigureOut">
               <a:rPr lang="en-US" dirty="0"/>
               <a:pPr/>
-              <a:t>8/13/2023</a:t>
+              <a:t>8/16/2023</a:t>
             </a:fld>
             <a:endParaRPr lang="en-US" dirty="0"/>
           </a:p>
@@ -4462,7 +4462,7 @@
             <a:fld id="{B61BEF0D-F0BB-DE4B-95CE-6DB70DBA9567}" type="datetimeFigureOut">
               <a:rPr lang="en-US" dirty="0"/>
               <a:pPr/>
-              <a:t>8/13/2023</a:t>
+              <a:t>8/16/2023</a:t>
             </a:fld>
             <a:endParaRPr lang="en-US" dirty="0"/>
           </a:p>
@@ -4744,7 +4744,7 @@
             <a:fld id="{B61BEF0D-F0BB-DE4B-95CE-6DB70DBA9567}" type="datetimeFigureOut">
               <a:rPr lang="en-US" dirty="0"/>
               <a:pPr/>
-              <a:t>8/13/2023</a:t>
+              <a:t>8/16/2023</a:t>
             </a:fld>
             <a:endParaRPr lang="en-US" dirty="0"/>
           </a:p>
@@ -5064,7 +5064,7 @@
             <a:fld id="{B61BEF0D-F0BB-DE4B-95CE-6DB70DBA9567}" type="datetimeFigureOut">
               <a:rPr lang="en-US" dirty="0"/>
               <a:pPr/>
-              <a:t>8/13/2023</a:t>
+              <a:t>8/16/2023</a:t>
             </a:fld>
             <a:endParaRPr lang="en-US" dirty="0"/>
           </a:p>
@@ -5275,7 +5275,7 @@
             <a:fld id="{B61BEF0D-F0BB-DE4B-95CE-6DB70DBA9567}" type="datetimeFigureOut">
               <a:rPr lang="en-US" dirty="0"/>
               <a:pPr/>
-              <a:t>8/13/2023</a:t>
+              <a:t>8/16/2023</a:t>
             </a:fld>
             <a:endParaRPr lang="en-US" dirty="0"/>
           </a:p>
@@ -14181,7 +14181,7 @@
             </a:pPr>
             <a:r>
               <a:rPr lang="en-US" dirty="0"/>
-              <a:t>But sometimes, bad people try to take advantage of these APIs. They might try to steal information, crash systems, or cause trouble.</a:t>
+              <a:t>But sometimes, hackers try to take advantage of these APIs. They might try to steal information, crash systems, or cause trouble.</a:t>
             </a:r>
           </a:p>
         </p:txBody>
@@ -14224,7 +14224,7 @@
             </a:pPr>
             <a:r>
               <a:rPr lang="en-US" dirty="0"/>
-              <a:t>APIs are like the doors to your digital house. If they're not secure, the bad guys can break in. So, it's really important to keep them safe.</a:t>
+              <a:t>APIs are like the doors to your digital house. If they're not secure, the hackers can break in. So, it's really important to keep them safe.</a:t>
             </a:r>
           </a:p>
         </p:txBody>
@@ -14267,7 +14267,7 @@
             </a:pPr>
             <a:r>
               <a:rPr lang="en-US" dirty="0"/>
-              <a:t>Today, we're going to learn about API abuse, what harm it can cause, and some simple steps we can take to stop the bad guys in their tracks.</a:t>
+              <a:t>Today, we're going to learn about API abuse, what harm it can cause, and some simple steps we can take to stop the hackers in their tracks.</a:t>
             </a:r>
           </a:p>
         </p:txBody>
@@ -14310,7 +14310,15 @@
             </a:pPr>
             <a:r>
               <a:rPr lang="en-US" dirty="0"/>
-              <a:t>By the end, you'll know how to protect your digital 'house' and keep your data and systems safe from API troublemakers.</a:t>
+              <a:t>By the end, you'll know how to protect your digital 'house' and keep your data and systems safe from API </a:t>
+            </a:r>
+            <a:r>
+              <a:rPr lang="en-US" dirty="0" err="1"/>
+              <a:t>redhat</a:t>
+            </a:r>
+            <a:r>
+              <a:rPr lang="en-US" dirty="0"/>
+              <a:t> hackers.</a:t>
             </a:r>
           </a:p>
         </p:txBody>
@@ -15052,7 +15060,7 @@
             </a:pPr>
             <a:r>
               <a:rPr lang="en-US" dirty="0"/>
-              <a:t>API abuse is when someone uses an application's interface in a harmful or unauthorized way. It's like a person trying to pick a lock to break into a house.</a:t>
+              <a:t>API abuse is when someone uses an application's interface in a harmful or unauthorized way. It's like a hacker trying to pick a lock to break into a house.</a:t>
             </a:r>
           </a:p>
         </p:txBody>
@@ -15095,7 +15103,7 @@
             </a:pPr>
             <a:r>
               <a:rPr lang="en-US" dirty="0"/>
-              <a:t>People who abuse APIs might try to steal information, crash systems, or do things they're not supposed to.</a:t>
+              <a:t>Hacker who abuse APIs might try to steal information, crash systems, or do things they're not supposed to.</a:t>
             </a:r>
           </a:p>
         </p:txBody>
@@ -16978,7 +16986,7 @@
             </a:pPr>
             <a:r>
               <a:rPr lang="en-US" dirty="0"/>
-              <a:t>Reputation Damage: If customers lose trust in a company's security, they might take their business elsewhere. It's like a house losing its value due to safety concerns in the neighborhood.</a:t>
+              <a:t>Reputation Damage: If users lose trust in a company's security, they might take their business elsewhere. It's like a house losing its value due to safety concerns in the neighborhood.</a:t>
             </a:r>
           </a:p>
         </p:txBody>

--- a/Database_&_docs/API Abuse.pptx
+++ b/Database_&_docs/API Abuse.pptx
@@ -15805,7 +15805,7 @@
         <p:spPr>
           <a:xfrm>
             <a:off x="372595" y="1984412"/>
-            <a:ext cx="11313459" cy="646331"/>
+            <a:ext cx="11313459" cy="369332"/>
           </a:xfrm>
           <a:prstGeom prst="rect">
             <a:avLst/>
@@ -15828,7 +15828,7 @@
             </a:pPr>
             <a:r>
               <a:rPr lang="en-US" dirty="0"/>
-              <a:t>Unauthorized Access: Attackers try to get into systems they shouldn't be in. It's like someone sneaking into a building without a key.</a:t>
+              <a:t>Unauthorized Access</a:t>
             </a:r>
           </a:p>
         </p:txBody>
@@ -15847,8 +15847,8 @@
         </p:nvSpPr>
         <p:spPr>
           <a:xfrm>
-            <a:off x="372591" y="2629540"/>
-            <a:ext cx="11313459" cy="646331"/>
+            <a:off x="372591" y="2350736"/>
+            <a:ext cx="11313459" cy="369332"/>
           </a:xfrm>
           <a:prstGeom prst="rect">
             <a:avLst/>
@@ -15871,7 +15871,7 @@
             </a:pPr>
             <a:r>
               <a:rPr lang="en-US" dirty="0"/>
-              <a:t>Denial of Service (DoS): Imagine a traffic jam that stops everyone from moving. In the digital world, attackers flood a system, making it crash and unavailable.</a:t>
+              <a:t>Denial of Service (DoS)</a:t>
             </a:r>
           </a:p>
         </p:txBody>
@@ -15890,8 +15890,8 @@
         </p:nvSpPr>
         <p:spPr>
           <a:xfrm>
-            <a:off x="372591" y="3274066"/>
-            <a:ext cx="11313459" cy="646331"/>
+            <a:off x="372587" y="2684209"/>
+            <a:ext cx="11313459" cy="369332"/>
           </a:xfrm>
           <a:prstGeom prst="rect">
             <a:avLst/>
@@ -15914,7 +15914,7 @@
             </a:pPr>
             <a:r>
               <a:rPr lang="en-US" dirty="0"/>
-              <a:t>Data Scraping: This is like someone secretly collecting your personal information. Attackers use automated tools to steal data from systems.</a:t>
+              <a:t>Data Scraping</a:t>
             </a:r>
           </a:p>
         </p:txBody>
@@ -15933,7 +15933,7 @@
         </p:nvSpPr>
         <p:spPr>
           <a:xfrm>
-            <a:off x="372591" y="3919194"/>
+            <a:off x="372586" y="3050533"/>
             <a:ext cx="11313459" cy="369332"/>
           </a:xfrm>
           <a:prstGeom prst="rect">
@@ -15957,7 +15957,7 @@
             </a:pPr>
             <a:r>
               <a:rPr lang="en-US" dirty="0"/>
-              <a:t>Brute Force Attacks: Just like trying all possible keys until one fits, hackers use this to guess passwords or codes.</a:t>
+              <a:t>Brute Force Attacks</a:t>
             </a:r>
           </a:p>
         </p:txBody>
@@ -15976,8 +15976,8 @@
         </p:nvSpPr>
         <p:spPr>
           <a:xfrm>
-            <a:off x="372591" y="4285518"/>
-            <a:ext cx="11313459" cy="646331"/>
+            <a:off x="372586" y="3411026"/>
+            <a:ext cx="11313459" cy="369332"/>
           </a:xfrm>
           <a:prstGeom prst="rect">
             <a:avLst/>
@@ -16000,7 +16000,7 @@
             </a:pPr>
             <a:r>
               <a:rPr lang="en-US" dirty="0"/>
-              <a:t>API Rate Limiting Violations: Imagine repeatedly ringing a doorbell to annoy. Attackers exceed allowed limits, disrupting services.</a:t>
+              <a:t>API Rate Limiting Violations:</a:t>
             </a:r>
           </a:p>
         </p:txBody>
@@ -16019,8 +16019,8 @@
         </p:nvSpPr>
         <p:spPr>
           <a:xfrm>
-            <a:off x="372591" y="4931849"/>
-            <a:ext cx="11313459" cy="646331"/>
+            <a:off x="372586" y="3747322"/>
+            <a:ext cx="11313459" cy="369332"/>
           </a:xfrm>
           <a:prstGeom prst="rect">
             <a:avLst/>
@@ -16043,7 +16043,7 @@
             </a:pPr>
             <a:r>
               <a:rPr lang="en-US" dirty="0"/>
-              <a:t>API Token/Key Theft: This is like someone stealing your house keys. Hackers take API tokens or keys to pretend they're authorized.</a:t>
+              <a:t>API Token/Key Theft</a:t>
             </a:r>
           </a:p>
         </p:txBody>
@@ -16834,7 +16834,7 @@
         <p:spPr>
           <a:xfrm>
             <a:off x="439270" y="1721223"/>
-            <a:ext cx="11313459" cy="646331"/>
+            <a:ext cx="11313459" cy="369332"/>
           </a:xfrm>
           <a:prstGeom prst="rect">
             <a:avLst/>
@@ -16857,7 +16857,7 @@
             </a:pPr>
             <a:r>
               <a:rPr lang="en-US" dirty="0"/>
-              <a:t>Data Breaches: API abuse can lead to unauthorized access to sensitive information, resulting in data leaks. It's like someone breaking into a vault and stealing valuables.</a:t>
+              <a:t>Data Breaches</a:t>
             </a:r>
           </a:p>
         </p:txBody>
@@ -16877,7 +16877,7 @@
         <p:spPr>
           <a:xfrm>
             <a:off x="439269" y="2367554"/>
-            <a:ext cx="11313459" cy="646331"/>
+            <a:ext cx="11313459" cy="369332"/>
           </a:xfrm>
           <a:prstGeom prst="rect">
             <a:avLst/>
@@ -16900,7 +16900,7 @@
             </a:pPr>
             <a:r>
               <a:rPr lang="en-US" dirty="0"/>
-              <a:t>System Downtime: When attackers overload systems, they can crash services. This disrupts operations and frustrates users, just like a power outage in a neighborhood.</a:t>
+              <a:t>System Downtime</a:t>
             </a:r>
           </a:p>
         </p:txBody>
@@ -16920,7 +16920,7 @@
         <p:spPr>
           <a:xfrm>
             <a:off x="439269" y="3013885"/>
-            <a:ext cx="11313459" cy="646331"/>
+            <a:ext cx="11313459" cy="369332"/>
           </a:xfrm>
           <a:prstGeom prst="rect">
             <a:avLst/>
@@ -16943,7 +16943,7 @@
             </a:pPr>
             <a:r>
               <a:rPr lang="en-US" dirty="0"/>
-              <a:t>Financial Losses: API abuse can cause companies to lose money through downtime, stolen data, and damage to reputation. It's like a shop losing customers due to bad service.</a:t>
+              <a:t>Financial Losses</a:t>
             </a:r>
           </a:p>
         </p:txBody>
@@ -16963,7 +16963,7 @@
         <p:spPr>
           <a:xfrm>
             <a:off x="439269" y="3660216"/>
-            <a:ext cx="11313459" cy="646331"/>
+            <a:ext cx="11313459" cy="369332"/>
           </a:xfrm>
           <a:prstGeom prst="rect">
             <a:avLst/>
@@ -16986,7 +16986,7 @@
             </a:pPr>
             <a:r>
               <a:rPr lang="en-US" dirty="0"/>
-              <a:t>Reputation Damage: If users lose trust in a company's security, they might take their business elsewhere. It's like a house losing its value due to safety concerns in the neighborhood.</a:t>
+              <a:t>Reputation Damage</a:t>
             </a:r>
           </a:p>
         </p:txBody>
@@ -17006,7 +17006,7 @@
         <p:spPr>
           <a:xfrm>
             <a:off x="439269" y="4306547"/>
-            <a:ext cx="11313459" cy="646331"/>
+            <a:ext cx="11313459" cy="369332"/>
           </a:xfrm>
           <a:prstGeom prst="rect">
             <a:avLst/>
@@ -17029,7 +17029,7 @@
             </a:pPr>
             <a:r>
               <a:rPr lang="en-US" dirty="0"/>
-              <a:t>Legal Consequences: Companies can face legal actions if user data is compromised. It's like being sued for not securing your house properly.</a:t>
+              <a:t>Legal Consequences</a:t>
             </a:r>
           </a:p>
         </p:txBody>
@@ -17049,7 +17049,7 @@
         <p:spPr>
           <a:xfrm>
             <a:off x="439269" y="4952878"/>
-            <a:ext cx="11313459" cy="646331"/>
+            <a:ext cx="11313459" cy="369332"/>
           </a:xfrm>
           <a:prstGeom prst="rect">
             <a:avLst/>
@@ -17072,7 +17072,7 @@
             </a:pPr>
             <a:r>
               <a:rPr lang="en-US" dirty="0"/>
-              <a:t>Overall Chaos: API abuse doesn't just affect companies—it can disrupt entire online ecosystems. It's like one house in a row causing problems for the whole neighborhood.</a:t>
+              <a:t>Overall Chaos</a:t>
             </a:r>
           </a:p>
         </p:txBody>
@@ -17092,7 +17092,7 @@
         <p:spPr>
           <a:xfrm>
             <a:off x="439268" y="5599209"/>
-            <a:ext cx="11313459" cy="646331"/>
+            <a:ext cx="11313459" cy="369332"/>
           </a:xfrm>
           <a:prstGeom prst="rect">
             <a:avLst/>
@@ -17115,7 +17115,7 @@
             </a:pPr>
             <a:r>
               <a:rPr lang="en-US" dirty="0"/>
-              <a:t>Mitigation: By understanding the potential impact, we can work to prevent API abuse and protect both data and reputation.</a:t>
+              <a:t>Mitigation</a:t>
             </a:r>
           </a:p>
         </p:txBody>
@@ -17986,7 +17986,7 @@
         <p:spPr>
           <a:xfrm>
             <a:off x="439270" y="1517687"/>
-            <a:ext cx="11313459" cy="646331"/>
+            <a:ext cx="11313459" cy="369332"/>
           </a:xfrm>
           <a:prstGeom prst="rect">
             <a:avLst/>
@@ -18009,7 +18009,7 @@
             </a:pPr>
             <a:r>
               <a:rPr lang="en-US" dirty="0"/>
-              <a:t>Lack of Input Validation: Imagine accepting any package without checking its contents. This vulnerability allows attackers to inject harmful code, leading to breaches.</a:t>
+              <a:t>Lack of Input Validation</a:t>
             </a:r>
           </a:p>
         </p:txBody>
@@ -18029,7 +18029,7 @@
         <p:spPr>
           <a:xfrm>
             <a:off x="439268" y="2164018"/>
-            <a:ext cx="11313459" cy="646331"/>
+            <a:ext cx="11313459" cy="369332"/>
           </a:xfrm>
           <a:prstGeom prst="rect">
             <a:avLst/>
@@ -18052,7 +18052,7 @@
             </a:pPr>
             <a:r>
               <a:rPr lang="en-US" dirty="0"/>
-              <a:t>Insecure Data Transmission: Sending data without protection is like shouting sensitive information in public. Hackers can intercept and steal data during transmission.</a:t>
+              <a:t>Insecure Data Transmission</a:t>
             </a:r>
           </a:p>
         </p:txBody>
@@ -18072,7 +18072,7 @@
         <p:spPr>
           <a:xfrm>
             <a:off x="439263" y="2810349"/>
-            <a:ext cx="11313459" cy="646331"/>
+            <a:ext cx="11313459" cy="369332"/>
           </a:xfrm>
           <a:prstGeom prst="rect">
             <a:avLst/>
@@ -18095,7 +18095,7 @@
             </a:pPr>
             <a:r>
               <a:rPr lang="en-US" dirty="0"/>
-              <a:t>Insufficient Rate Limiting: Not limiting requests is like allowing someone to ring your doorbell non-stop. Attackers overload systems by sending too many requests.</a:t>
+              <a:t>Insufficient Rate Limiting</a:t>
             </a:r>
           </a:p>
         </p:txBody>
@@ -18115,7 +18115,7 @@
         <p:spPr>
           <a:xfrm>
             <a:off x="439262" y="3461048"/>
-            <a:ext cx="11313459" cy="646331"/>
+            <a:ext cx="11313459" cy="369332"/>
           </a:xfrm>
           <a:prstGeom prst="rect">
             <a:avLst/>
@@ -18138,7 +18138,7 @@
             </a:pPr>
             <a:r>
               <a:rPr lang="en-US" dirty="0"/>
-              <a:t>Insecure Storage of API Keys/Tokens: Storing keys where anyone can find them is like leaving your house keys in the open. Attackers steal keys to gain unauthorized access.</a:t>
+              <a:t>Insecure Storage of API Keys/Tokens</a:t>
             </a:r>
           </a:p>
         </p:txBody>
@@ -18158,7 +18158,7 @@
         <p:spPr>
           <a:xfrm>
             <a:off x="439262" y="4104695"/>
-            <a:ext cx="11313459" cy="646331"/>
+            <a:ext cx="11313459" cy="369332"/>
           </a:xfrm>
           <a:prstGeom prst="rect">
             <a:avLst/>
@@ -18181,7 +18181,7 @@
             </a:pPr>
             <a:r>
               <a:rPr lang="en-US" dirty="0"/>
-              <a:t>Broken Authentication Flow: Think of this as someone tricking you into opening the door for them. Attackers exploit flaws in the login process.</a:t>
+              <a:t>Broken Authentication Flow</a:t>
             </a:r>
           </a:p>
         </p:txBody>
@@ -18201,7 +18201,7 @@
         <p:spPr>
           <a:xfrm>
             <a:off x="439262" y="4749342"/>
-            <a:ext cx="11313459" cy="646331"/>
+            <a:ext cx="11313459" cy="369332"/>
           </a:xfrm>
           <a:prstGeom prst="rect">
             <a:avLst/>
@@ -18224,7 +18224,7 @@
             </a:pPr>
             <a:r>
               <a:rPr lang="en-US" dirty="0"/>
-              <a:t>Zero-Day Vulnerabilities: These are like secret passages only attackers know about. They use undiscovered weaknesses to breach systems.</a:t>
+              <a:t>Zero-Day Vulnerabilities</a:t>
             </a:r>
           </a:p>
         </p:txBody>
@@ -18244,7 +18244,7 @@
         <p:spPr>
           <a:xfrm>
             <a:off x="439262" y="5391305"/>
-            <a:ext cx="11313459" cy="646331"/>
+            <a:ext cx="11313459" cy="369332"/>
           </a:xfrm>
           <a:prstGeom prst="rect">
             <a:avLst/>
@@ -18267,7 +18267,7 @@
             </a:pPr>
             <a:r>
               <a:rPr lang="en-US" dirty="0"/>
-              <a:t>Mitigation and Best Practices: Understanding these vulnerabilities helps us reinforce our APIs. Implement strong authentication, validate inputs, encrypt data, and secure keys.</a:t>
+              <a:t>Mitigation and Best Practices</a:t>
             </a:r>
           </a:p>
         </p:txBody>
@@ -19253,7 +19253,7 @@
         </p:nvSpPr>
         <p:spPr>
           <a:xfrm>
-            <a:off x="439269" y="3276953"/>
+            <a:off x="439269" y="3262821"/>
             <a:ext cx="11313458" cy="646331"/>
           </a:xfrm>
           <a:prstGeom prst="rect">
@@ -19306,7 +19306,7 @@
         </p:nvSpPr>
         <p:spPr>
           <a:xfrm>
-            <a:off x="439269" y="3928223"/>
+            <a:off x="439269" y="3909152"/>
             <a:ext cx="11313458" cy="646331"/>
           </a:xfrm>
           <a:prstGeom prst="rect">
@@ -19359,7 +19359,7 @@
         </p:nvSpPr>
         <p:spPr>
           <a:xfrm>
-            <a:off x="353544" y="4574554"/>
+            <a:off x="353544" y="4546290"/>
             <a:ext cx="11313458" cy="646331"/>
           </a:xfrm>
           <a:prstGeom prst="rect">
@@ -19412,7 +19412,7 @@
         </p:nvSpPr>
         <p:spPr>
           <a:xfrm>
-            <a:off x="353544" y="5220885"/>
+            <a:off x="353544" y="5192621"/>
             <a:ext cx="11313458" cy="646331"/>
           </a:xfrm>
           <a:prstGeom prst="rect">
